--- a/C++资料包/递推与递归/递推与递归.pptx
+++ b/C++资料包/递推与递归/递推与递归.pptx
@@ -6925,10 +6925,10 @@
           <a:bodyPr/>
           <a:p>
             <a:r>
-              <a:rPr lang="" altLang="zh-CN"/>
+              <a:rPr lang="en-US" altLang="zh-CN"/>
               <a:t>递归思想</a:t>
             </a:r>
-            <a:endParaRPr lang="" altLang="zh-CN"/>
+            <a:endParaRPr lang="en-US" altLang="zh-CN"/>
           </a:p>
         </p:txBody>
       </p:sp>
@@ -6947,7 +6947,7 @@
           <a:bodyPr/>
           <a:p>
             <a:r>
-              <a:rPr lang="" altLang="zh-CN"/>
+              <a:rPr lang="en-US" altLang="zh-CN"/>
               <a:t>通</a:t>
             </a:r>
             <a:r>
@@ -7944,7 +7944,7 @@
         <p:spPr>
           <a:xfrm>
             <a:off x="144379" y="1923430"/>
-            <a:ext cx="2935706" cy="2123658"/>
+            <a:ext cx="2935706" cy="2122805"/>
           </a:xfrm>
           <a:prstGeom prst="rect">
             <a:avLst/>
@@ -7973,7 +7973,7 @@
           <a:p>
             <a:r>
               <a:rPr lang="en-US" altLang="zh-CN" sz="4400" dirty="0"/>
-              <a:t>    1 0 6 1</a:t>
+              <a:t>  1 0 6 1</a:t>
             </a:r>
             <a:endParaRPr lang="zh-CN" altLang="en-US" sz="4400" dirty="0"/>
           </a:p>
@@ -7987,8 +7987,8 @@
         </p:nvSpPr>
         <p:spPr>
           <a:xfrm>
-            <a:off x="3322225" y="132383"/>
-            <a:ext cx="7082589" cy="5878532"/>
+            <a:off x="3358420" y="492428"/>
+            <a:ext cx="7082589" cy="4215765"/>
           </a:xfrm>
           <a:prstGeom prst="rect">
             <a:avLst/>
@@ -8002,132 +8002,69 @@
           <a:lstStyle/>
           <a:p>
             <a:r>
-              <a:rPr lang="en-US" altLang="zh-CN" sz="3200" dirty="0"/>
+              <a:rPr lang="en-US" altLang="zh-CN" sz="2800" dirty="0"/>
               <a:t>String A,B;</a:t>
             </a:r>
-            <a:endParaRPr lang="en-US" altLang="zh-CN" sz="3200" dirty="0"/>
-          </a:p>
-          <a:p>
-            <a:r>
-              <a:rPr lang="en-US" altLang="zh-CN" sz="3200" dirty="0"/>
+            <a:endParaRPr lang="en-US" altLang="zh-CN" sz="2800" dirty="0"/>
+          </a:p>
+          <a:p>
+            <a:r>
+              <a:rPr lang="en-US" altLang="zh-CN" sz="2800" dirty="0"/>
               <a:t>Int a[100],b[100],c[100];</a:t>
             </a:r>
-            <a:endParaRPr lang="en-US" altLang="zh-CN" sz="3200" dirty="0"/>
-          </a:p>
-          <a:p>
-            <a:r>
-              <a:rPr lang="en-US" altLang="zh-CN" sz="3200" dirty="0"/>
+            <a:endParaRPr lang="en-US" altLang="zh-CN" sz="2800" dirty="0"/>
+          </a:p>
+          <a:p>
+            <a:r>
+              <a:rPr lang="en-US" altLang="zh-CN" sz="2800" dirty="0"/>
               <a:t>A=962		B=99</a:t>
             </a:r>
-            <a:endParaRPr lang="en-US" altLang="zh-CN" sz="3200" dirty="0"/>
-          </a:p>
-          <a:p>
-            <a:r>
-              <a:rPr lang="en-US" altLang="zh-CN" sz="3200" dirty="0"/>
+            <a:endParaRPr lang="en-US" altLang="zh-CN" sz="2800" dirty="0"/>
+          </a:p>
+          <a:p>
+            <a:r>
+              <a:rPr lang="en-US" altLang="zh-CN" sz="2800" dirty="0"/>
               <a:t>a[1]=2		b[1]=9</a:t>
             </a:r>
-            <a:endParaRPr lang="en-US" altLang="zh-CN" sz="3200" dirty="0"/>
-          </a:p>
-          <a:p>
-            <a:r>
-              <a:rPr lang="en-US" altLang="zh-CN" sz="3200" dirty="0"/>
+            <a:endParaRPr lang="en-US" altLang="zh-CN" sz="2800" dirty="0"/>
+          </a:p>
+          <a:p>
+            <a:r>
+              <a:rPr lang="en-US" altLang="zh-CN" sz="2800" dirty="0"/>
               <a:t>a[2]=6		b[6]=9</a:t>
             </a:r>
-            <a:endParaRPr lang="en-US" altLang="zh-CN" sz="3200" dirty="0"/>
-          </a:p>
-          <a:p>
-            <a:r>
-              <a:rPr lang="en-US" altLang="zh-CN" sz="3200" dirty="0"/>
+            <a:endParaRPr lang="en-US" altLang="zh-CN" sz="2800" dirty="0"/>
+          </a:p>
+          <a:p>
+            <a:r>
+              <a:rPr lang="en-US" altLang="zh-CN" sz="2800" dirty="0"/>
               <a:t>a[3]=9		b[3]=0</a:t>
             </a:r>
-            <a:endParaRPr lang="en-US" altLang="zh-CN" sz="3200" dirty="0"/>
-          </a:p>
-          <a:p>
-            <a:endParaRPr lang="en-US" altLang="zh-CN" sz="3200" dirty="0"/>
-          </a:p>
-          <a:p>
-            <a:r>
-              <a:rPr lang="en-US" altLang="zh-CN" sz="2800" dirty="0"/>
-              <a:t>c[</a:t>
-            </a:r>
-            <a:r>
-              <a:rPr lang="en-US" altLang="zh-CN" sz="2800" dirty="0" err="1"/>
-              <a:t>i</a:t>
-            </a:r>
-            <a:r>
-              <a:rPr lang="en-US" altLang="zh-CN" sz="2800" dirty="0"/>
-              <a:t>]=(c[</a:t>
-            </a:r>
-            <a:r>
-              <a:rPr lang="en-US" altLang="zh-CN" sz="2800" dirty="0" err="1"/>
-              <a:t>i</a:t>
-            </a:r>
-            <a:r>
-              <a:rPr lang="en-US" altLang="zh-CN" sz="2800" dirty="0"/>
-              <a:t>]+a[</a:t>
-            </a:r>
-            <a:r>
-              <a:rPr lang="en-US" altLang="zh-CN" sz="2800" dirty="0" err="1"/>
-              <a:t>i</a:t>
-            </a:r>
-            <a:r>
-              <a:rPr lang="en-US" altLang="zh-CN" sz="2800" dirty="0"/>
-              <a:t>]+b[</a:t>
-            </a:r>
-            <a:r>
-              <a:rPr lang="en-US" altLang="zh-CN" sz="2800" dirty="0" err="1"/>
-              <a:t>i</a:t>
-            </a:r>
-            <a:r>
-              <a:rPr lang="en-US" altLang="zh-CN" sz="2800" dirty="0"/>
-              <a:t>])%10     c[i+1]= ]=(c[</a:t>
-            </a:r>
-            <a:r>
-              <a:rPr lang="en-US" altLang="zh-CN" sz="2800" dirty="0" err="1"/>
-              <a:t>i</a:t>
-            </a:r>
-            <a:r>
-              <a:rPr lang="en-US" altLang="zh-CN" sz="2800" dirty="0"/>
-              <a:t>]+a[</a:t>
-            </a:r>
-            <a:r>
-              <a:rPr lang="en-US" altLang="zh-CN" sz="2800" dirty="0" err="1"/>
-              <a:t>i</a:t>
-            </a:r>
-            <a:r>
-              <a:rPr lang="en-US" altLang="zh-CN" sz="2800" dirty="0"/>
-              <a:t>]+b[</a:t>
-            </a:r>
-            <a:r>
-              <a:rPr lang="en-US" altLang="zh-CN" sz="2800" dirty="0" err="1"/>
-              <a:t>i</a:t>
-            </a:r>
-            <a:r>
-              <a:rPr lang="en-US" altLang="zh-CN" sz="2800" dirty="0"/>
-              <a:t>])/10 </a:t>
-            </a:r>
             <a:endParaRPr lang="en-US" altLang="zh-CN" sz="2800" dirty="0"/>
           </a:p>
           <a:p>
-            <a:r>
-              <a:rPr lang="en-US" altLang="zh-CN" sz="3200" dirty="0"/>
-              <a:t>c[1]=(2+9)%10=1 	c[2]=(2+9)/10=1</a:t>
-            </a:r>
-            <a:endParaRPr lang="en-US" altLang="zh-CN" sz="3200" dirty="0"/>
-          </a:p>
-          <a:p>
-            <a:r>
-              <a:rPr lang="en-US" altLang="zh-CN" sz="3200" dirty="0"/>
-              <a:t>c[2]=(1+6+9)%10=6	c[3]=(1+6+9)/10=1</a:t>
-            </a:r>
-            <a:endParaRPr lang="en-US" altLang="zh-CN" sz="3200" dirty="0"/>
-          </a:p>
-          <a:p>
-            <a:r>
-              <a:rPr lang="en-US" altLang="zh-CN" sz="3200" dirty="0"/>
-              <a:t>c[3]=(1+9+0)%10=0      c[4]=(1+9+0)/10=1</a:t>
-            </a:r>
-            <a:endParaRPr lang="en-US" altLang="zh-CN" sz="3200" dirty="0"/>
+            <a:endParaRPr lang="en-US" altLang="zh-CN" sz="2800" dirty="0"/>
+          </a:p>
+          <a:p>
+            <a:r>
+              <a:rPr lang="en-US" altLang="zh-CN" sz="2400"/>
+              <a:t>        c[i]+=a[i]+b[i];</a:t>
+            </a:r>
+            <a:endParaRPr lang="en-US" altLang="zh-CN" sz="2400"/>
+          </a:p>
+          <a:p>
+            <a:r>
+              <a:rPr lang="en-US" altLang="zh-CN" sz="2400"/>
+              <a:t>        c[i+1]+=c[i]/10;</a:t>
+            </a:r>
+            <a:endParaRPr lang="en-US" altLang="zh-CN" sz="2400"/>
+          </a:p>
+          <a:p>
+            <a:r>
+              <a:rPr lang="en-US" altLang="zh-CN" sz="2400"/>
+              <a:t>        c[i]=c[i]%10;</a:t>
+            </a:r>
+            <a:endParaRPr lang="en-US" altLang="zh-CN" sz="2800" dirty="0"/>
           </a:p>
         </p:txBody>
       </p:sp>
@@ -8236,143 +8173,6 @@
       </p:sp>
       <p:sp>
         <p:nvSpPr>
-          <p:cNvPr id="4" name="文本框 3"/>
-          <p:cNvSpPr txBox="1"/>
-          <p:nvPr/>
-        </p:nvSpPr>
-        <p:spPr>
-          <a:xfrm>
-            <a:off x="5468066" y="1305320"/>
-            <a:ext cx="3769894" cy="4401205"/>
-          </a:xfrm>
-          <a:prstGeom prst="rect">
-            <a:avLst/>
-          </a:prstGeom>
-          <a:noFill/>
-        </p:spPr>
-        <p:txBody>
-          <a:bodyPr wrap="square" rtlCol="0">
-            <a:spAutoFit/>
-          </a:bodyPr>
-          <a:lstStyle/>
-          <a:p>
-            <a:r>
-              <a:rPr lang="pt-BR" altLang="zh-CN" sz="2800" dirty="0"/>
-              <a:t>cin&gt;&gt;A&gt;&gt;B;</a:t>
-            </a:r>
-            <a:endParaRPr lang="pt-BR" altLang="zh-CN" sz="2800" dirty="0"/>
-          </a:p>
-          <a:p>
-            <a:endParaRPr lang="pt-BR" altLang="zh-CN" sz="2800" dirty="0"/>
-          </a:p>
-          <a:p>
-            <a:r>
-              <a:rPr lang="pt-BR" altLang="zh-CN" sz="2800" dirty="0"/>
-              <a:t>a[j++]=A[i]-’0’;</a:t>
-            </a:r>
-            <a:endParaRPr lang="pt-BR" altLang="zh-CN" sz="2800" dirty="0"/>
-          </a:p>
-          <a:p>
-            <a:endParaRPr lang="pt-BR" altLang="zh-CN" sz="2800" dirty="0"/>
-          </a:p>
-          <a:p>
-            <a:r>
-              <a:rPr lang="en-US" altLang="zh-CN" sz="2800" dirty="0"/>
-              <a:t>c[</a:t>
-            </a:r>
-            <a:r>
-              <a:rPr lang="en-US" altLang="zh-CN" sz="2800" dirty="0" err="1"/>
-              <a:t>i</a:t>
-            </a:r>
-            <a:r>
-              <a:rPr lang="en-US" altLang="zh-CN" sz="2800" dirty="0"/>
-              <a:t>]+=a[</a:t>
-            </a:r>
-            <a:r>
-              <a:rPr lang="en-US" altLang="zh-CN" sz="2800" dirty="0" err="1"/>
-              <a:t>i</a:t>
-            </a:r>
-            <a:r>
-              <a:rPr lang="en-US" altLang="zh-CN" sz="2800" dirty="0"/>
-              <a:t>]+b[</a:t>
-            </a:r>
-            <a:r>
-              <a:rPr lang="en-US" altLang="zh-CN" sz="2800" dirty="0" err="1"/>
-              <a:t>i</a:t>
-            </a:r>
-            <a:r>
-              <a:rPr lang="en-US" altLang="zh-CN" sz="2800" dirty="0"/>
-              <a:t>];</a:t>
-            </a:r>
-            <a:endParaRPr lang="en-US" altLang="zh-CN" sz="2800" dirty="0"/>
-          </a:p>
-          <a:p>
-            <a:r>
-              <a:rPr lang="en-US" altLang="zh-CN" sz="2800" dirty="0"/>
-              <a:t>c[i+1]+=c[</a:t>
-            </a:r>
-            <a:r>
-              <a:rPr lang="en-US" altLang="zh-CN" sz="2800" dirty="0" err="1"/>
-              <a:t>i</a:t>
-            </a:r>
-            <a:r>
-              <a:rPr lang="en-US" altLang="zh-CN" sz="2800" dirty="0"/>
-              <a:t>]/10;</a:t>
-            </a:r>
-            <a:endParaRPr lang="en-US" altLang="zh-CN" sz="2800" dirty="0"/>
-          </a:p>
-          <a:p>
-            <a:r>
-              <a:rPr lang="en-US" altLang="zh-CN" sz="2800" dirty="0"/>
-              <a:t>c[</a:t>
-            </a:r>
-            <a:r>
-              <a:rPr lang="en-US" altLang="zh-CN" sz="2800" dirty="0" err="1"/>
-              <a:t>i</a:t>
-            </a:r>
-            <a:r>
-              <a:rPr lang="en-US" altLang="zh-CN" sz="2800" dirty="0"/>
-              <a:t>]=c[</a:t>
-            </a:r>
-            <a:r>
-              <a:rPr lang="en-US" altLang="zh-CN" sz="2800" dirty="0" err="1"/>
-              <a:t>i</a:t>
-            </a:r>
-            <a:r>
-              <a:rPr lang="en-US" altLang="zh-CN" sz="2800" dirty="0"/>
-              <a:t>]%10;</a:t>
-            </a:r>
-            <a:endParaRPr lang="en-US" altLang="zh-CN" sz="2800" dirty="0"/>
-          </a:p>
-          <a:p>
-            <a:endParaRPr lang="en-US" altLang="zh-CN" sz="2800" dirty="0"/>
-          </a:p>
-          <a:p>
-            <a:r>
-              <a:rPr lang="en-US" altLang="zh-CN" sz="2800" dirty="0"/>
-              <a:t>if(c[len+1]!=0)</a:t>
-            </a:r>
-            <a:endParaRPr lang="en-US" altLang="zh-CN" sz="2800" dirty="0"/>
-          </a:p>
-          <a:p>
-            <a:r>
-              <a:rPr lang="en-US" altLang="zh-CN" sz="2800" dirty="0"/>
-              <a:t>        </a:t>
-            </a:r>
-            <a:r>
-              <a:rPr lang="en-US" altLang="zh-CN" sz="2800" dirty="0" err="1"/>
-              <a:t>len</a:t>
-            </a:r>
-            <a:r>
-              <a:rPr lang="en-US" altLang="zh-CN" sz="2800" dirty="0"/>
-              <a:t>++;</a:t>
-            </a:r>
-            <a:endParaRPr lang="zh-CN" altLang="en-US" sz="2800" dirty="0"/>
-          </a:p>
-        </p:txBody>
-      </p:sp>
-      <p:sp>
-        <p:nvSpPr>
           <p:cNvPr id="2" name="矩形 1"/>
           <p:cNvSpPr/>
           <p:nvPr/>
@@ -8506,37 +8306,37 @@
           </a:bodyPr>
           <a:p>
             <a:r>
-              <a:rPr lang="" altLang="zh-CN" sz="2800"/>
+              <a:rPr lang="en-US" altLang="zh-CN" sz="2800"/>
               <a:t>输入：</a:t>
             </a:r>
-            <a:endParaRPr lang="" altLang="zh-CN" sz="2800"/>
-          </a:p>
-          <a:p>
-            <a:r>
-              <a:rPr lang="" altLang="zh-CN" sz="2800"/>
+            <a:endParaRPr lang="en-US" altLang="zh-CN" sz="2800"/>
+          </a:p>
+          <a:p>
+            <a:r>
+              <a:rPr lang="en-US" altLang="zh-CN" sz="2800"/>
               <a:t>6 6 3 3</a:t>
             </a:r>
-            <a:endParaRPr lang="" altLang="zh-CN" sz="2800"/>
-          </a:p>
-          <a:p>
-            <a:endParaRPr lang="" altLang="zh-CN" sz="2800"/>
-          </a:p>
-          <a:p>
-            <a:endParaRPr lang="" altLang="zh-CN" sz="2800"/>
-          </a:p>
-          <a:p>
-            <a:r>
-              <a:rPr lang="" altLang="zh-CN" sz="2800"/>
+            <a:endParaRPr lang="en-US" altLang="zh-CN" sz="2800"/>
+          </a:p>
+          <a:p>
+            <a:endParaRPr lang="en-US" altLang="zh-CN" sz="2800"/>
+          </a:p>
+          <a:p>
+            <a:endParaRPr lang="en-US" altLang="zh-CN" sz="2800"/>
+          </a:p>
+          <a:p>
+            <a:r>
+              <a:rPr lang="en-US" altLang="zh-CN" sz="2800"/>
               <a:t>输出：</a:t>
             </a:r>
-            <a:endParaRPr lang="" altLang="zh-CN" sz="2800"/>
-          </a:p>
-          <a:p>
-            <a:r>
-              <a:rPr lang="" altLang="zh-CN" sz="2800"/>
+            <a:endParaRPr lang="en-US" altLang="zh-CN" sz="2800"/>
+          </a:p>
+          <a:p>
+            <a:r>
+              <a:rPr lang="en-US" altLang="zh-CN" sz="2800"/>
               <a:t>6</a:t>
             </a:r>
-            <a:endParaRPr lang="" altLang="zh-CN" sz="2800"/>
+            <a:endParaRPr lang="en-US" altLang="zh-CN" sz="2800"/>
           </a:p>
         </p:txBody>
       </p:sp>
@@ -8633,20 +8433,20 @@
           </a:bodyPr>
           <a:p>
             <a:r>
-              <a:rPr lang="" altLang="zh-CN" sz="3600"/>
+              <a:rPr lang="en-US" altLang="zh-CN" sz="3600"/>
               <a:t>如果不考虑马？</a:t>
             </a:r>
-            <a:endParaRPr lang="" altLang="zh-CN" sz="3600"/>
-          </a:p>
-          <a:p>
-            <a:endParaRPr lang="" altLang="zh-CN" sz="3600"/>
-          </a:p>
-          <a:p>
-            <a:r>
-              <a:rPr lang="" altLang="zh-CN" sz="3600"/>
+            <a:endParaRPr lang="en-US" altLang="zh-CN" sz="3600"/>
+          </a:p>
+          <a:p>
+            <a:endParaRPr lang="en-US" altLang="zh-CN" sz="3600"/>
+          </a:p>
+          <a:p>
+            <a:r>
+              <a:rPr lang="en-US" altLang="zh-CN" sz="3600"/>
               <a:t>f[i,j]	从(0,0)到(i,j)的路径数</a:t>
             </a:r>
-            <a:endParaRPr lang="" altLang="zh-CN" sz="3600"/>
+            <a:endParaRPr lang="en-US" altLang="zh-CN" sz="3600"/>
           </a:p>
         </p:txBody>
       </p:sp>

--- a/C++资料包/递推与递归/递推与递归.pptx
+++ b/C++资料包/递推与递归/递推与递归.pptx
@@ -6010,7 +6010,7 @@
         <a:spcBef>
           <a:spcPts val="1000"/>
         </a:spcBef>
-        <a:buFont typeface="Arial" panose="02080604020202020204" pitchFamily="34" charset="0"/>
+        <a:buFont typeface="Arial" panose="020B0604020202020204" pitchFamily="34" charset="0"/>
         <a:buChar char="•"/>
         <a:defRPr sz="2800" kern="1200">
           <a:solidFill>
@@ -6028,7 +6028,7 @@
         <a:spcBef>
           <a:spcPts val="500"/>
         </a:spcBef>
-        <a:buFont typeface="Arial" panose="02080604020202020204" pitchFamily="34" charset="0"/>
+        <a:buFont typeface="Arial" panose="020B0604020202020204" pitchFamily="34" charset="0"/>
         <a:buChar char="•"/>
         <a:defRPr sz="2400" kern="1200">
           <a:solidFill>
@@ -6046,7 +6046,7 @@
         <a:spcBef>
           <a:spcPts val="500"/>
         </a:spcBef>
-        <a:buFont typeface="Arial" panose="02080604020202020204" pitchFamily="34" charset="0"/>
+        <a:buFont typeface="Arial" panose="020B0604020202020204" pitchFamily="34" charset="0"/>
         <a:buChar char="•"/>
         <a:defRPr sz="2000" kern="1200">
           <a:solidFill>
@@ -6064,7 +6064,7 @@
         <a:spcBef>
           <a:spcPts val="500"/>
         </a:spcBef>
-        <a:buFont typeface="Arial" panose="02080604020202020204" pitchFamily="34" charset="0"/>
+        <a:buFont typeface="Arial" panose="020B0604020202020204" pitchFamily="34" charset="0"/>
         <a:buChar char="•"/>
         <a:defRPr sz="1800" kern="1200">
           <a:solidFill>
@@ -6082,7 +6082,7 @@
         <a:spcBef>
           <a:spcPts val="500"/>
         </a:spcBef>
-        <a:buFont typeface="Arial" panose="02080604020202020204" pitchFamily="34" charset="0"/>
+        <a:buFont typeface="Arial" panose="020B0604020202020204" pitchFamily="34" charset="0"/>
         <a:buChar char="•"/>
         <a:defRPr sz="1800" kern="1200">
           <a:solidFill>
@@ -6100,7 +6100,7 @@
         <a:spcBef>
           <a:spcPts val="500"/>
         </a:spcBef>
-        <a:buFont typeface="Arial" panose="02080604020202020204" pitchFamily="34" charset="0"/>
+        <a:buFont typeface="Arial" panose="020B0604020202020204" pitchFamily="34" charset="0"/>
         <a:buChar char="•"/>
         <a:defRPr sz="1800" kern="1200">
           <a:solidFill>
@@ -6118,7 +6118,7 @@
         <a:spcBef>
           <a:spcPts val="500"/>
         </a:spcBef>
-        <a:buFont typeface="Arial" panose="02080604020202020204" pitchFamily="34" charset="0"/>
+        <a:buFont typeface="Arial" panose="020B0604020202020204" pitchFamily="34" charset="0"/>
         <a:buChar char="•"/>
         <a:defRPr sz="1800" kern="1200">
           <a:solidFill>
@@ -6136,7 +6136,7 @@
         <a:spcBef>
           <a:spcPts val="500"/>
         </a:spcBef>
-        <a:buFont typeface="Arial" panose="02080604020202020204" pitchFamily="34" charset="0"/>
+        <a:buFont typeface="Arial" panose="020B0604020202020204" pitchFamily="34" charset="0"/>
         <a:buChar char="•"/>
         <a:defRPr sz="1800" kern="1200">
           <a:solidFill>
@@ -6154,7 +6154,7 @@
         <a:spcBef>
           <a:spcPts val="500"/>
         </a:spcBef>
-        <a:buFont typeface="Arial" panose="02080604020202020204" pitchFamily="34" charset="0"/>
+        <a:buFont typeface="Arial" panose="020B0604020202020204" pitchFamily="34" charset="0"/>
         <a:buChar char="•"/>
         <a:defRPr sz="1800" kern="1200">
           <a:solidFill>
@@ -6548,7 +6548,7 @@
         <a:spcBef>
           <a:spcPts val="1000"/>
         </a:spcBef>
-        <a:buFont typeface="Arial" panose="02080604020202020204" pitchFamily="34" charset="0"/>
+        <a:buFont typeface="Arial" panose="020B0604020202020204" pitchFamily="34" charset="0"/>
         <a:buChar char="•"/>
         <a:defRPr sz="2800" kern="1200">
           <a:solidFill>
@@ -6566,7 +6566,7 @@
         <a:spcBef>
           <a:spcPts val="500"/>
         </a:spcBef>
-        <a:buFont typeface="Arial" panose="02080604020202020204" pitchFamily="34" charset="0"/>
+        <a:buFont typeface="Arial" panose="020B0604020202020204" pitchFamily="34" charset="0"/>
         <a:buChar char="•"/>
         <a:defRPr sz="2400" kern="1200">
           <a:solidFill>
@@ -6584,7 +6584,7 @@
         <a:spcBef>
           <a:spcPts val="500"/>
         </a:spcBef>
-        <a:buFont typeface="Arial" panose="02080604020202020204" pitchFamily="34" charset="0"/>
+        <a:buFont typeface="Arial" panose="020B0604020202020204" pitchFamily="34" charset="0"/>
         <a:buChar char="•"/>
         <a:defRPr sz="2000" kern="1200">
           <a:solidFill>
@@ -6602,7 +6602,7 @@
         <a:spcBef>
           <a:spcPts val="500"/>
         </a:spcBef>
-        <a:buFont typeface="Arial" panose="02080604020202020204" pitchFamily="34" charset="0"/>
+        <a:buFont typeface="Arial" panose="020B0604020202020204" pitchFamily="34" charset="0"/>
         <a:buChar char="•"/>
         <a:defRPr sz="1800" kern="1200">
           <a:solidFill>
@@ -6620,7 +6620,7 @@
         <a:spcBef>
           <a:spcPts val="500"/>
         </a:spcBef>
-        <a:buFont typeface="Arial" panose="02080604020202020204" pitchFamily="34" charset="0"/>
+        <a:buFont typeface="Arial" panose="020B0604020202020204" pitchFamily="34" charset="0"/>
         <a:buChar char="•"/>
         <a:defRPr sz="1800" kern="1200">
           <a:solidFill>
@@ -6638,7 +6638,7 @@
         <a:spcBef>
           <a:spcPts val="500"/>
         </a:spcBef>
-        <a:buFont typeface="Arial" panose="02080604020202020204" pitchFamily="34" charset="0"/>
+        <a:buFont typeface="Arial" panose="020B0604020202020204" pitchFamily="34" charset="0"/>
         <a:buChar char="•"/>
         <a:defRPr sz="1800" kern="1200">
           <a:solidFill>
@@ -6656,7 +6656,7 @@
         <a:spcBef>
           <a:spcPts val="500"/>
         </a:spcBef>
-        <a:buFont typeface="Arial" panose="02080604020202020204" pitchFamily="34" charset="0"/>
+        <a:buFont typeface="Arial" panose="020B0604020202020204" pitchFamily="34" charset="0"/>
         <a:buChar char="•"/>
         <a:defRPr sz="1800" kern="1200">
           <a:solidFill>
@@ -6674,7 +6674,7 @@
         <a:spcBef>
           <a:spcPts val="500"/>
         </a:spcBef>
-        <a:buFont typeface="Arial" panose="02080604020202020204" pitchFamily="34" charset="0"/>
+        <a:buFont typeface="Arial" panose="020B0604020202020204" pitchFamily="34" charset="0"/>
         <a:buChar char="•"/>
         <a:defRPr sz="1800" kern="1200">
           <a:solidFill>
@@ -6692,7 +6692,7 @@
         <a:spcBef>
           <a:spcPts val="500"/>
         </a:spcBef>
-        <a:buFont typeface="Arial" panose="02080604020202020204" pitchFamily="34" charset="0"/>
+        <a:buFont typeface="Arial" panose="020B0604020202020204" pitchFamily="34" charset="0"/>
         <a:buChar char="•"/>
         <a:defRPr sz="1800" kern="1200">
           <a:solidFill>
